--- a/Presentation/GLJRPGSeminaari1.pptx
+++ b/Presentation/GLJRPGSeminaari1.pptx
@@ -7,9 +7,10 @@
   <p:sldIdLst>
     <p:sldId id="256" r:id="rId2"/>
     <p:sldId id="258" r:id="rId3"/>
-    <p:sldId id="257" r:id="rId4"/>
+    <p:sldId id="261" r:id="rId4"/>
     <p:sldId id="259" r:id="rId5"/>
-    <p:sldId id="260" r:id="rId6"/>
+    <p:sldId id="257" r:id="rId6"/>
+    <p:sldId id="260" r:id="rId7"/>
   </p:sldIdLst>
   <p:sldSz cx="12192000" cy="6858000"/>
   <p:notesSz cx="6858000" cy="9144000"/>
@@ -265,7 +266,7 @@
           <a:p>
             <a:fld id="{013E6F63-B683-4CFD-AA82-8CD82596D5CF}" type="datetimeFigureOut">
               <a:rPr lang="en-FI" smtClean="0"/>
-              <a:t>20/09/2019</a:t>
+              <a:t>09/29/2019</a:t>
             </a:fld>
             <a:endParaRPr lang="en-FI"/>
           </a:p>
@@ -465,7 +466,7 @@
           <a:p>
             <a:fld id="{013E6F63-B683-4CFD-AA82-8CD82596D5CF}" type="datetimeFigureOut">
               <a:rPr lang="en-FI" smtClean="0"/>
-              <a:t>20/09/2019</a:t>
+              <a:t>09/29/2019</a:t>
             </a:fld>
             <a:endParaRPr lang="en-FI"/>
           </a:p>
@@ -675,7 +676,7 @@
           <a:p>
             <a:fld id="{013E6F63-B683-4CFD-AA82-8CD82596D5CF}" type="datetimeFigureOut">
               <a:rPr lang="en-FI" smtClean="0"/>
-              <a:t>20/09/2019</a:t>
+              <a:t>09/29/2019</a:t>
             </a:fld>
             <a:endParaRPr lang="en-FI"/>
           </a:p>
@@ -875,7 +876,7 @@
           <a:p>
             <a:fld id="{013E6F63-B683-4CFD-AA82-8CD82596D5CF}" type="datetimeFigureOut">
               <a:rPr lang="en-FI" smtClean="0"/>
-              <a:t>20/09/2019</a:t>
+              <a:t>09/29/2019</a:t>
             </a:fld>
             <a:endParaRPr lang="en-FI"/>
           </a:p>
@@ -1151,7 +1152,7 @@
           <a:p>
             <a:fld id="{013E6F63-B683-4CFD-AA82-8CD82596D5CF}" type="datetimeFigureOut">
               <a:rPr lang="en-FI" smtClean="0"/>
-              <a:t>20/09/2019</a:t>
+              <a:t>09/29/2019</a:t>
             </a:fld>
             <a:endParaRPr lang="en-FI"/>
           </a:p>
@@ -1419,7 +1420,7 @@
           <a:p>
             <a:fld id="{013E6F63-B683-4CFD-AA82-8CD82596D5CF}" type="datetimeFigureOut">
               <a:rPr lang="en-FI" smtClean="0"/>
-              <a:t>20/09/2019</a:t>
+              <a:t>09/29/2019</a:t>
             </a:fld>
             <a:endParaRPr lang="en-FI"/>
           </a:p>
@@ -1834,7 +1835,7 @@
           <a:p>
             <a:fld id="{013E6F63-B683-4CFD-AA82-8CD82596D5CF}" type="datetimeFigureOut">
               <a:rPr lang="en-FI" smtClean="0"/>
-              <a:t>20/09/2019</a:t>
+              <a:t>09/29/2019</a:t>
             </a:fld>
             <a:endParaRPr lang="en-FI"/>
           </a:p>
@@ -1976,7 +1977,7 @@
           <a:p>
             <a:fld id="{013E6F63-B683-4CFD-AA82-8CD82596D5CF}" type="datetimeFigureOut">
               <a:rPr lang="en-FI" smtClean="0"/>
-              <a:t>20/09/2019</a:t>
+              <a:t>09/29/2019</a:t>
             </a:fld>
             <a:endParaRPr lang="en-FI"/>
           </a:p>
@@ -2089,7 +2090,7 @@
           <a:p>
             <a:fld id="{013E6F63-B683-4CFD-AA82-8CD82596D5CF}" type="datetimeFigureOut">
               <a:rPr lang="en-FI" smtClean="0"/>
-              <a:t>20/09/2019</a:t>
+              <a:t>09/29/2019</a:t>
             </a:fld>
             <a:endParaRPr lang="en-FI"/>
           </a:p>
@@ -2402,7 +2403,7 @@
           <a:p>
             <a:fld id="{013E6F63-B683-4CFD-AA82-8CD82596D5CF}" type="datetimeFigureOut">
               <a:rPr lang="en-FI" smtClean="0"/>
-              <a:t>20/09/2019</a:t>
+              <a:t>09/29/2019</a:t>
             </a:fld>
             <a:endParaRPr lang="en-FI"/>
           </a:p>
@@ -2691,7 +2692,7 @@
           <a:p>
             <a:fld id="{013E6F63-B683-4CFD-AA82-8CD82596D5CF}" type="datetimeFigureOut">
               <a:rPr lang="en-FI" smtClean="0"/>
-              <a:t>20/09/2019</a:t>
+              <a:t>09/29/2019</a:t>
             </a:fld>
             <a:endParaRPr lang="en-FI"/>
           </a:p>
@@ -2934,7 +2935,7 @@
           <a:p>
             <a:fld id="{013E6F63-B683-4CFD-AA82-8CD82596D5CF}" type="datetimeFigureOut">
               <a:rPr lang="en-FI" smtClean="0"/>
-              <a:t>20/09/2019</a:t>
+              <a:t>09/29/2019</a:t>
             </a:fld>
             <a:endParaRPr lang="en-FI"/>
           </a:p>
@@ -3373,8 +3374,16 @@
           <a:lstStyle/>
           <a:p>
             <a:r>
+              <a:rPr lang="en-US" dirty="0" err="1"/>
+              <a:t>Roolipelidemo</a:t>
+            </a:r>
+            <a:r>
               <a:rPr lang="en-US" dirty="0"/>
-              <a:t>OpenGL RPG</a:t>
+              <a:t> </a:t>
+            </a:r>
+            <a:r>
+              <a:rPr lang="en-US" dirty="0" err="1"/>
+              <a:t>OpenGL:llä</a:t>
             </a:r>
             <a:endParaRPr lang="en-FI" dirty="0"/>
           </a:p>
@@ -3401,6 +3410,10 @@
           <a:bodyPr/>
           <a:lstStyle/>
           <a:p>
+            <a:r>
+              <a:rPr lang="en-US" dirty="0"/>
+              <a:t>Teemu Turku</a:t>
+            </a:r>
             <a:endParaRPr lang="en-FI" dirty="0"/>
           </a:p>
         </p:txBody>
@@ -3487,6 +3500,140 @@
           <a:p>
             <a:r>
               <a:rPr lang="en-US" dirty="0" err="1"/>
+              <a:t>Alkuvaiheessa</a:t>
+            </a:r>
+            <a:r>
+              <a:rPr lang="en-US" dirty="0"/>
+              <a:t> </a:t>
+            </a:r>
+            <a:r>
+              <a:rPr lang="en-US" dirty="0" err="1"/>
+              <a:t>isompi</a:t>
+            </a:r>
+            <a:r>
+              <a:rPr lang="en-US" dirty="0"/>
+              <a:t> </a:t>
+            </a:r>
+            <a:r>
+              <a:rPr lang="en-US" dirty="0" err="1"/>
+              <a:t>osa</a:t>
+            </a:r>
+            <a:r>
+              <a:rPr lang="en-US" dirty="0"/>
+              <a:t> </a:t>
+            </a:r>
+            <a:r>
+              <a:rPr lang="en-US" dirty="0" err="1"/>
+              <a:t>ajasta</a:t>
+            </a:r>
+            <a:r>
+              <a:rPr lang="en-US" dirty="0"/>
+              <a:t> </a:t>
+            </a:r>
+            <a:r>
+              <a:rPr lang="en-US" dirty="0" err="1"/>
+              <a:t>menee</a:t>
+            </a:r>
+            <a:r>
+              <a:rPr lang="en-US" dirty="0"/>
+              <a:t> </a:t>
+            </a:r>
+            <a:r>
+              <a:rPr lang="en-US" dirty="0" err="1"/>
+              <a:t>itse</a:t>
+            </a:r>
+            <a:r>
+              <a:rPr lang="en-US" dirty="0"/>
+              <a:t> </a:t>
+            </a:r>
+            <a:r>
+              <a:rPr lang="en-US" dirty="0" err="1"/>
+              <a:t>projektin</a:t>
+            </a:r>
+            <a:r>
+              <a:rPr lang="en-US" dirty="0"/>
+              <a:t> </a:t>
+            </a:r>
+            <a:r>
+              <a:rPr lang="en-US" dirty="0" err="1"/>
+              <a:t>tekoon</a:t>
+            </a:r>
+            <a:endParaRPr lang="en-US" dirty="0"/>
+          </a:p>
+          <a:p>
+            <a:r>
+              <a:rPr lang="en-US" dirty="0" err="1"/>
+              <a:t>Kun</a:t>
+            </a:r>
+            <a:r>
+              <a:rPr lang="en-US" dirty="0"/>
+              <a:t> </a:t>
+            </a:r>
+            <a:r>
+              <a:rPr lang="en-US" dirty="0" err="1"/>
+              <a:t>tärkeimmät</a:t>
+            </a:r>
+            <a:r>
+              <a:rPr lang="en-US" dirty="0"/>
+              <a:t> </a:t>
+            </a:r>
+            <a:r>
+              <a:rPr lang="en-US" dirty="0" err="1"/>
+              <a:t>osat</a:t>
+            </a:r>
+            <a:r>
+              <a:rPr lang="en-US" dirty="0"/>
+              <a:t> </a:t>
+            </a:r>
+            <a:r>
+              <a:rPr lang="en-US" dirty="0" err="1"/>
+              <a:t>pelin</a:t>
+            </a:r>
+            <a:r>
+              <a:rPr lang="en-US" dirty="0"/>
+              <a:t> </a:t>
+            </a:r>
+            <a:r>
+              <a:rPr lang="en-US" dirty="0" err="1"/>
+              <a:t>koodista</a:t>
+            </a:r>
+            <a:r>
+              <a:rPr lang="en-US" dirty="0"/>
+              <a:t> </a:t>
+            </a:r>
+            <a:r>
+              <a:rPr lang="en-US" dirty="0" err="1"/>
+              <a:t>valmista</a:t>
+            </a:r>
+            <a:r>
+              <a:rPr lang="en-US" dirty="0"/>
+              <a:t>, </a:t>
+            </a:r>
+            <a:r>
+              <a:rPr lang="en-US" dirty="0" err="1"/>
+              <a:t>pääpaino</a:t>
+            </a:r>
+            <a:r>
+              <a:rPr lang="en-US" dirty="0"/>
+              <a:t> </a:t>
+            </a:r>
+            <a:r>
+              <a:rPr lang="en-US" dirty="0" err="1"/>
+              <a:t>siirtyy</a:t>
+            </a:r>
+            <a:r>
+              <a:rPr lang="en-US" dirty="0"/>
+              <a:t> </a:t>
+            </a:r>
+            <a:r>
+              <a:rPr lang="en-US" dirty="0" err="1"/>
+              <a:t>kirjoitustyöhön</a:t>
+            </a:r>
+            <a:endParaRPr lang="en-US" dirty="0"/>
+          </a:p>
+          <a:p>
+            <a:r>
+              <a:rPr lang="en-US" dirty="0" err="1"/>
               <a:t>Toinen</a:t>
             </a:r>
             <a:r>
@@ -3592,8 +3739,8 @@
           <a:lstStyle/>
           <a:p>
             <a:r>
-              <a:rPr lang="en-US" dirty="0" err="1"/>
-              <a:t>Toteutus</a:t>
+              <a:rPr lang="en-US" dirty="0"/>
+              <a:t>Idea</a:t>
             </a:r>
             <a:endParaRPr lang="en-FI" dirty="0"/>
           </a:p>
@@ -3620,86 +3767,6 @@
           <a:bodyPr/>
           <a:lstStyle/>
           <a:p>
-            <a:r>
-              <a:rPr lang="en-US" dirty="0"/>
-              <a:t>OpenGL</a:t>
-            </a:r>
-          </a:p>
-          <a:p>
-            <a:r>
-              <a:rPr lang="en-US" dirty="0"/>
-              <a:t>GLFW </a:t>
-            </a:r>
-            <a:r>
-              <a:rPr lang="en-US" dirty="0" err="1"/>
-              <a:t>renderöintiin</a:t>
-            </a:r>
-            <a:endParaRPr lang="en-US" dirty="0"/>
-          </a:p>
-          <a:p>
-            <a:r>
-              <a:rPr lang="en-US" dirty="0"/>
-              <a:t>GLAD, </a:t>
-            </a:r>
-            <a:r>
-              <a:rPr lang="en-US" dirty="0" err="1"/>
-              <a:t>jotta</a:t>
-            </a:r>
-            <a:r>
-              <a:rPr lang="en-US" dirty="0"/>
-              <a:t> </a:t>
-            </a:r>
-            <a:r>
-              <a:rPr lang="en-US" dirty="0" err="1"/>
-              <a:t>peli</a:t>
-            </a:r>
-            <a:r>
-              <a:rPr lang="en-US" dirty="0"/>
-              <a:t> </a:t>
-            </a:r>
-            <a:r>
-              <a:rPr lang="en-US" dirty="0" err="1"/>
-              <a:t>toimii</a:t>
-            </a:r>
-            <a:r>
-              <a:rPr lang="en-US" dirty="0"/>
-              <a:t> </a:t>
-            </a:r>
-            <a:r>
-              <a:rPr lang="en-US" dirty="0" err="1"/>
-              <a:t>eri</a:t>
-            </a:r>
-            <a:r>
-              <a:rPr lang="en-US" dirty="0"/>
-              <a:t> </a:t>
-            </a:r>
-            <a:r>
-              <a:rPr lang="en-US" dirty="0" err="1"/>
-              <a:t>grafiikkakorteilla</a:t>
-            </a:r>
-            <a:r>
-              <a:rPr lang="en-US" dirty="0"/>
-              <a:t> ja </a:t>
-            </a:r>
-            <a:r>
-              <a:rPr lang="en-US" dirty="0" err="1"/>
-              <a:t>ajureilla</a:t>
-            </a:r>
-            <a:endParaRPr lang="en-US" dirty="0"/>
-          </a:p>
-          <a:p>
-            <a:r>
-              <a:rPr lang="en-US" dirty="0" err="1"/>
-              <a:t>OpenAL</a:t>
-            </a:r>
-            <a:r>
-              <a:rPr lang="en-US" dirty="0"/>
-              <a:t> </a:t>
-            </a:r>
-            <a:r>
-              <a:rPr lang="en-US" dirty="0" err="1"/>
-              <a:t>äänentoistoon</a:t>
-            </a:r>
             <a:endParaRPr lang="en-FI" dirty="0"/>
           </a:p>
         </p:txBody>
@@ -3707,7 +3774,7 @@
     </p:spTree>
     <p:extLst>
       <p:ext uri="{BB962C8B-B14F-4D97-AF65-F5344CB8AC3E}">
-        <p14:creationId xmlns:p14="http://schemas.microsoft.com/office/powerpoint/2010/main" val="699456255"/>
+        <p14:creationId xmlns:p14="http://schemas.microsoft.com/office/powerpoint/2010/main" val="2861769238"/>
       </p:ext>
     </p:extLst>
   </p:cSld>
@@ -3802,6 +3869,170 @@
 </file>
 
 <file path=ppt/slides/slide5.xml><?xml version="1.0" encoding="utf-8"?>
+<p:sld xmlns:a="http://schemas.openxmlformats.org/drawingml/2006/main" xmlns:r="http://schemas.openxmlformats.org/officeDocument/2006/relationships" xmlns:p="http://schemas.openxmlformats.org/presentationml/2006/main">
+  <p:cSld>
+    <p:spTree>
+      <p:nvGrpSpPr>
+        <p:cNvPr id="1" name=""/>
+        <p:cNvGrpSpPr/>
+        <p:nvPr/>
+      </p:nvGrpSpPr>
+      <p:grpSpPr>
+        <a:xfrm>
+          <a:off x="0" y="0"/>
+          <a:ext cx="0" cy="0"/>
+          <a:chOff x="0" y="0"/>
+          <a:chExt cx="0" cy="0"/>
+        </a:xfrm>
+      </p:grpSpPr>
+      <p:sp>
+        <p:nvSpPr>
+          <p:cNvPr id="2" name="Title 1">
+            <a:extLst>
+              <a:ext uri="{FF2B5EF4-FFF2-40B4-BE49-F238E27FC236}">
+                <a16:creationId xmlns:a16="http://schemas.microsoft.com/office/drawing/2014/main" id="{23736E40-E270-448A-BD7B-C588EFDC343C}"/>
+              </a:ext>
+            </a:extLst>
+          </p:cNvPr>
+          <p:cNvSpPr>
+            <a:spLocks noGrp="1"/>
+          </p:cNvSpPr>
+          <p:nvPr>
+            <p:ph type="title"/>
+          </p:nvPr>
+        </p:nvSpPr>
+        <p:spPr/>
+        <p:txBody>
+          <a:bodyPr/>
+          <a:lstStyle/>
+          <a:p>
+            <a:r>
+              <a:rPr lang="en-US" dirty="0" err="1"/>
+              <a:t>Toteutus</a:t>
+            </a:r>
+            <a:endParaRPr lang="en-FI" dirty="0"/>
+          </a:p>
+        </p:txBody>
+      </p:sp>
+      <p:sp>
+        <p:nvSpPr>
+          <p:cNvPr id="3" name="Content Placeholder 2">
+            <a:extLst>
+              <a:ext uri="{FF2B5EF4-FFF2-40B4-BE49-F238E27FC236}">
+                <a16:creationId xmlns:a16="http://schemas.microsoft.com/office/drawing/2014/main" id="{4F80240A-965E-40FB-8A64-896ECB112C4F}"/>
+              </a:ext>
+            </a:extLst>
+          </p:cNvPr>
+          <p:cNvSpPr>
+            <a:spLocks noGrp="1"/>
+          </p:cNvSpPr>
+          <p:nvPr>
+            <p:ph idx="1"/>
+          </p:nvPr>
+        </p:nvSpPr>
+        <p:spPr/>
+        <p:txBody>
+          <a:bodyPr/>
+          <a:lstStyle/>
+          <a:p>
+            <a:r>
+              <a:rPr lang="en-US" dirty="0"/>
+              <a:t>OpenGL</a:t>
+            </a:r>
+          </a:p>
+          <a:p>
+            <a:r>
+              <a:rPr lang="en-US" dirty="0"/>
+              <a:t>GLFW </a:t>
+            </a:r>
+            <a:r>
+              <a:rPr lang="en-US" dirty="0" err="1"/>
+              <a:t>renderöintiin</a:t>
+            </a:r>
+            <a:endParaRPr lang="en-US" dirty="0"/>
+          </a:p>
+          <a:p>
+            <a:r>
+              <a:rPr lang="en-US" dirty="0"/>
+              <a:t>GLAD, </a:t>
+            </a:r>
+            <a:r>
+              <a:rPr lang="en-US" dirty="0" err="1"/>
+              <a:t>jotta</a:t>
+            </a:r>
+            <a:r>
+              <a:rPr lang="en-US" dirty="0"/>
+              <a:t> </a:t>
+            </a:r>
+            <a:r>
+              <a:rPr lang="en-US" dirty="0" err="1"/>
+              <a:t>peli</a:t>
+            </a:r>
+            <a:r>
+              <a:rPr lang="en-US" dirty="0"/>
+              <a:t> </a:t>
+            </a:r>
+            <a:r>
+              <a:rPr lang="en-US" dirty="0" err="1"/>
+              <a:t>toimii</a:t>
+            </a:r>
+            <a:r>
+              <a:rPr lang="en-US" dirty="0"/>
+              <a:t> </a:t>
+            </a:r>
+            <a:r>
+              <a:rPr lang="en-US" dirty="0" err="1"/>
+              <a:t>eri</a:t>
+            </a:r>
+            <a:r>
+              <a:rPr lang="en-US" dirty="0"/>
+              <a:t> </a:t>
+            </a:r>
+            <a:r>
+              <a:rPr lang="en-US" dirty="0" err="1"/>
+              <a:t>grafiikkakorteilla</a:t>
+            </a:r>
+            <a:r>
+              <a:rPr lang="en-US" dirty="0"/>
+              <a:t> ja </a:t>
+            </a:r>
+            <a:r>
+              <a:rPr lang="en-US" dirty="0" err="1"/>
+              <a:t>ajureilla</a:t>
+            </a:r>
+            <a:endParaRPr lang="en-US" dirty="0"/>
+          </a:p>
+          <a:p>
+            <a:r>
+              <a:rPr lang="en-US" dirty="0" err="1"/>
+              <a:t>OpenAL</a:t>
+            </a:r>
+            <a:r>
+              <a:rPr lang="en-US" dirty="0"/>
+              <a:t> </a:t>
+            </a:r>
+            <a:r>
+              <a:rPr lang="en-US" dirty="0" err="1"/>
+              <a:t>äänentoistoon</a:t>
+            </a:r>
+            <a:endParaRPr lang="en-FI" dirty="0"/>
+          </a:p>
+        </p:txBody>
+      </p:sp>
+    </p:spTree>
+    <p:extLst>
+      <p:ext uri="{BB962C8B-B14F-4D97-AF65-F5344CB8AC3E}">
+        <p14:creationId xmlns:p14="http://schemas.microsoft.com/office/powerpoint/2010/main" val="699456255"/>
+      </p:ext>
+    </p:extLst>
+  </p:cSld>
+  <p:clrMapOvr>
+    <a:masterClrMapping/>
+  </p:clrMapOvr>
+</p:sld>
+</file>
+
+<file path=ppt/slides/slide6.xml><?xml version="1.0" encoding="utf-8"?>
 <p:sld xmlns:a="http://schemas.openxmlformats.org/drawingml/2006/main" xmlns:r="http://schemas.openxmlformats.org/officeDocument/2006/relationships" xmlns:p="http://schemas.openxmlformats.org/presentationml/2006/main">
   <p:cSld>
     <p:spTree>

--- a/Presentation/GLJRPGSeminaari1.pptx
+++ b/Presentation/GLJRPGSeminaari1.pptx
@@ -2,14 +2,15 @@
 <file path=ppt/presentation.xml><?xml version="1.0" encoding="utf-8"?>
 <p:presentation xmlns:a="http://schemas.openxmlformats.org/drawingml/2006/main" xmlns:r="http://schemas.openxmlformats.org/officeDocument/2006/relationships" xmlns:p="http://schemas.openxmlformats.org/presentationml/2006/main" saveSubsetFonts="1">
   <p:sldMasterIdLst>
-    <p:sldMasterId id="2147483648" r:id="rId1"/>
+    <p:sldMasterId id="2147483780" r:id="rId1"/>
   </p:sldMasterIdLst>
   <p:sldIdLst>
     <p:sldId id="256" r:id="rId2"/>
     <p:sldId id="258" r:id="rId3"/>
-    <p:sldId id="257" r:id="rId4"/>
-    <p:sldId id="259" r:id="rId5"/>
-    <p:sldId id="260" r:id="rId6"/>
+    <p:sldId id="259" r:id="rId4"/>
+    <p:sldId id="257" r:id="rId5"/>
+    <p:sldId id="261" r:id="rId6"/>
+    <p:sldId id="260" r:id="rId7"/>
   </p:sldIdLst>
   <p:sldSz cx="12192000" cy="6858000"/>
   <p:notesSz cx="6858000" cy="9144000"/>
@@ -138,7 +139,7 @@
           <p:cNvPr id="2" name="Title 1">
             <a:extLst>
               <a:ext uri="{FF2B5EF4-FFF2-40B4-BE49-F238E27FC236}">
-                <a16:creationId xmlns:a16="http://schemas.microsoft.com/office/drawing/2014/main" id="{FAF762FE-1D54-43D7-A05B-C1B0CEA5701D}"/>
+                <a16:creationId xmlns:a16="http://schemas.microsoft.com/office/drawing/2014/main" id="{7074E07A-5C73-4614-BCEE-39C15703F21A}"/>
               </a:ext>
             </a:extLst>
           </p:cNvPr>
@@ -176,7 +177,7 @@
           <p:cNvPr id="3" name="Subtitle 2">
             <a:extLst>
               <a:ext uri="{FF2B5EF4-FFF2-40B4-BE49-F238E27FC236}">
-                <a16:creationId xmlns:a16="http://schemas.microsoft.com/office/drawing/2014/main" id="{A1E3CAE2-4F10-4C9B-8C37-BEFC9893A9F8}"/>
+                <a16:creationId xmlns:a16="http://schemas.microsoft.com/office/drawing/2014/main" id="{09450DA9-FDD0-4D9B-90B4-F43A3E559AD0}"/>
               </a:ext>
             </a:extLst>
           </p:cNvPr>
@@ -247,7 +248,7 @@
           <p:cNvPr id="4" name="Date Placeholder 3">
             <a:extLst>
               <a:ext uri="{FF2B5EF4-FFF2-40B4-BE49-F238E27FC236}">
-                <a16:creationId xmlns:a16="http://schemas.microsoft.com/office/drawing/2014/main" id="{B2DA4559-2E26-4317-9FA4-4A6D3A0E6BD9}"/>
+                <a16:creationId xmlns:a16="http://schemas.microsoft.com/office/drawing/2014/main" id="{1D5A5DEB-BE2A-4ABD-B628-80ECA54921F6}"/>
               </a:ext>
             </a:extLst>
           </p:cNvPr>
@@ -265,7 +266,7 @@
           <a:p>
             <a:fld id="{013E6F63-B683-4CFD-AA82-8CD82596D5CF}" type="datetimeFigureOut">
               <a:rPr lang="en-FI" smtClean="0"/>
-              <a:t>20/09/2019</a:t>
+              <a:t>03/10/2019</a:t>
             </a:fld>
             <a:endParaRPr lang="en-FI"/>
           </a:p>
@@ -276,7 +277,7 @@
           <p:cNvPr id="5" name="Footer Placeholder 4">
             <a:extLst>
               <a:ext uri="{FF2B5EF4-FFF2-40B4-BE49-F238E27FC236}">
-                <a16:creationId xmlns:a16="http://schemas.microsoft.com/office/drawing/2014/main" id="{35AB1192-39A1-45D7-985C-136D2FE1A17F}"/>
+                <a16:creationId xmlns:a16="http://schemas.microsoft.com/office/drawing/2014/main" id="{4163929F-B79A-4DAB-81AE-3A9838C98298}"/>
               </a:ext>
             </a:extLst>
           </p:cNvPr>
@@ -301,7 +302,7 @@
           <p:cNvPr id="6" name="Slide Number Placeholder 5">
             <a:extLst>
               <a:ext uri="{FF2B5EF4-FFF2-40B4-BE49-F238E27FC236}">
-                <a16:creationId xmlns:a16="http://schemas.microsoft.com/office/drawing/2014/main" id="{4C9EACF6-295B-45EE-B0E0-DDEA912CFEDC}"/>
+                <a16:creationId xmlns:a16="http://schemas.microsoft.com/office/drawing/2014/main" id="{E386084E-B36E-4E10-9680-DB3CFB2F5305}"/>
               </a:ext>
             </a:extLst>
           </p:cNvPr>
@@ -328,7 +329,7 @@
     </p:spTree>
     <p:extLst>
       <p:ext uri="{BB962C8B-B14F-4D97-AF65-F5344CB8AC3E}">
-        <p14:creationId xmlns:p14="http://schemas.microsoft.com/office/powerpoint/2010/main" val="634557300"/>
+        <p14:creationId xmlns:p14="http://schemas.microsoft.com/office/powerpoint/2010/main" val="3500042154"/>
       </p:ext>
     </p:extLst>
   </p:cSld>
@@ -360,7 +361,7 @@
           <p:cNvPr id="2" name="Title 1">
             <a:extLst>
               <a:ext uri="{FF2B5EF4-FFF2-40B4-BE49-F238E27FC236}">
-                <a16:creationId xmlns:a16="http://schemas.microsoft.com/office/drawing/2014/main" id="{81BF4B00-B6CD-4EC8-81FC-0D40271D64B3}"/>
+                <a16:creationId xmlns:a16="http://schemas.microsoft.com/office/drawing/2014/main" id="{02B8A46A-552D-4017-8BC6-A1544B972E3F}"/>
               </a:ext>
             </a:extLst>
           </p:cNvPr>
@@ -389,7 +390,7 @@
           <p:cNvPr id="3" name="Vertical Text Placeholder 2">
             <a:extLst>
               <a:ext uri="{FF2B5EF4-FFF2-40B4-BE49-F238E27FC236}">
-                <a16:creationId xmlns:a16="http://schemas.microsoft.com/office/drawing/2014/main" id="{807A1522-B804-45E4-A05B-FE8F0C668AC0}"/>
+                <a16:creationId xmlns:a16="http://schemas.microsoft.com/office/drawing/2014/main" id="{2FF2724A-752A-4A4A-ACE8-302A1C10FA7B}"/>
               </a:ext>
             </a:extLst>
           </p:cNvPr>
@@ -447,7 +448,7 @@
           <p:cNvPr id="4" name="Date Placeholder 3">
             <a:extLst>
               <a:ext uri="{FF2B5EF4-FFF2-40B4-BE49-F238E27FC236}">
-                <a16:creationId xmlns:a16="http://schemas.microsoft.com/office/drawing/2014/main" id="{A748BD7A-C762-4A98-AF86-9E351B1059F0}"/>
+                <a16:creationId xmlns:a16="http://schemas.microsoft.com/office/drawing/2014/main" id="{4FCEC1FF-E8EB-498C-9237-9AD819007F86}"/>
               </a:ext>
             </a:extLst>
           </p:cNvPr>
@@ -465,7 +466,7 @@
           <a:p>
             <a:fld id="{013E6F63-B683-4CFD-AA82-8CD82596D5CF}" type="datetimeFigureOut">
               <a:rPr lang="en-FI" smtClean="0"/>
-              <a:t>20/09/2019</a:t>
+              <a:t>03/10/2019</a:t>
             </a:fld>
             <a:endParaRPr lang="en-FI"/>
           </a:p>
@@ -476,7 +477,7 @@
           <p:cNvPr id="5" name="Footer Placeholder 4">
             <a:extLst>
               <a:ext uri="{FF2B5EF4-FFF2-40B4-BE49-F238E27FC236}">
-                <a16:creationId xmlns:a16="http://schemas.microsoft.com/office/drawing/2014/main" id="{2778C128-62DD-442E-AE72-390363493190}"/>
+                <a16:creationId xmlns:a16="http://schemas.microsoft.com/office/drawing/2014/main" id="{FC5848CD-59F4-42BA-A4D8-8754B5F481E1}"/>
               </a:ext>
             </a:extLst>
           </p:cNvPr>
@@ -501,7 +502,7 @@
           <p:cNvPr id="6" name="Slide Number Placeholder 5">
             <a:extLst>
               <a:ext uri="{FF2B5EF4-FFF2-40B4-BE49-F238E27FC236}">
-                <a16:creationId xmlns:a16="http://schemas.microsoft.com/office/drawing/2014/main" id="{840F3E84-9D53-4A31-8385-E7564FD150D0}"/>
+                <a16:creationId xmlns:a16="http://schemas.microsoft.com/office/drawing/2014/main" id="{2D7E9964-CF90-4B44-A639-C82B3764E266}"/>
               </a:ext>
             </a:extLst>
           </p:cNvPr>
@@ -528,7 +529,7 @@
     </p:spTree>
     <p:extLst>
       <p:ext uri="{BB962C8B-B14F-4D97-AF65-F5344CB8AC3E}">
-        <p14:creationId xmlns:p14="http://schemas.microsoft.com/office/powerpoint/2010/main" val="3062884418"/>
+        <p14:creationId xmlns:p14="http://schemas.microsoft.com/office/powerpoint/2010/main" val="2013800216"/>
       </p:ext>
     </p:extLst>
   </p:cSld>
@@ -560,7 +561,7 @@
           <p:cNvPr id="2" name="Vertical Title 1">
             <a:extLst>
               <a:ext uri="{FF2B5EF4-FFF2-40B4-BE49-F238E27FC236}">
-                <a16:creationId xmlns:a16="http://schemas.microsoft.com/office/drawing/2014/main" id="{2CCDC21C-85E4-471B-9EBF-0F4152A7C69A}"/>
+                <a16:creationId xmlns:a16="http://schemas.microsoft.com/office/drawing/2014/main" id="{E0E37AA0-D90E-49BA-A0BF-A186D4029FA9}"/>
               </a:ext>
             </a:extLst>
           </p:cNvPr>
@@ -594,7 +595,7 @@
           <p:cNvPr id="3" name="Vertical Text Placeholder 2">
             <a:extLst>
               <a:ext uri="{FF2B5EF4-FFF2-40B4-BE49-F238E27FC236}">
-                <a16:creationId xmlns:a16="http://schemas.microsoft.com/office/drawing/2014/main" id="{FEA19D3F-AF2A-424C-AEC5-6F53D9E3A0F4}"/>
+                <a16:creationId xmlns:a16="http://schemas.microsoft.com/office/drawing/2014/main" id="{B62B26FF-8948-4DF1-8C59-0AADBB43222D}"/>
               </a:ext>
             </a:extLst>
           </p:cNvPr>
@@ -657,7 +658,7 @@
           <p:cNvPr id="4" name="Date Placeholder 3">
             <a:extLst>
               <a:ext uri="{FF2B5EF4-FFF2-40B4-BE49-F238E27FC236}">
-                <a16:creationId xmlns:a16="http://schemas.microsoft.com/office/drawing/2014/main" id="{D96E0163-26A2-4BD5-9929-650D16C3F889}"/>
+                <a16:creationId xmlns:a16="http://schemas.microsoft.com/office/drawing/2014/main" id="{5BE7E40E-88A6-4FF7-ACD4-6D0608117BD5}"/>
               </a:ext>
             </a:extLst>
           </p:cNvPr>
@@ -675,7 +676,7 @@
           <a:p>
             <a:fld id="{013E6F63-B683-4CFD-AA82-8CD82596D5CF}" type="datetimeFigureOut">
               <a:rPr lang="en-FI" smtClean="0"/>
-              <a:t>20/09/2019</a:t>
+              <a:t>03/10/2019</a:t>
             </a:fld>
             <a:endParaRPr lang="en-FI"/>
           </a:p>
@@ -686,7 +687,7 @@
           <p:cNvPr id="5" name="Footer Placeholder 4">
             <a:extLst>
               <a:ext uri="{FF2B5EF4-FFF2-40B4-BE49-F238E27FC236}">
-                <a16:creationId xmlns:a16="http://schemas.microsoft.com/office/drawing/2014/main" id="{D79465BC-E862-4E08-8F52-3766215C7952}"/>
+                <a16:creationId xmlns:a16="http://schemas.microsoft.com/office/drawing/2014/main" id="{5A8A73F9-E320-40A4-B96F-7321592B8B04}"/>
               </a:ext>
             </a:extLst>
           </p:cNvPr>
@@ -711,7 +712,7 @@
           <p:cNvPr id="6" name="Slide Number Placeholder 5">
             <a:extLst>
               <a:ext uri="{FF2B5EF4-FFF2-40B4-BE49-F238E27FC236}">
-                <a16:creationId xmlns:a16="http://schemas.microsoft.com/office/drawing/2014/main" id="{A0CB6672-E3D3-4BD9-BEF7-16FC306AF184}"/>
+                <a16:creationId xmlns:a16="http://schemas.microsoft.com/office/drawing/2014/main" id="{9D696B4F-9CD2-4C25-A887-18B74D730ABB}"/>
               </a:ext>
             </a:extLst>
           </p:cNvPr>
@@ -738,7 +739,7 @@
     </p:spTree>
     <p:extLst>
       <p:ext uri="{BB962C8B-B14F-4D97-AF65-F5344CB8AC3E}">
-        <p14:creationId xmlns:p14="http://schemas.microsoft.com/office/powerpoint/2010/main" val="2022744615"/>
+        <p14:creationId xmlns:p14="http://schemas.microsoft.com/office/powerpoint/2010/main" val="2105388961"/>
       </p:ext>
     </p:extLst>
   </p:cSld>
@@ -770,7 +771,7 @@
           <p:cNvPr id="2" name="Title 1">
             <a:extLst>
               <a:ext uri="{FF2B5EF4-FFF2-40B4-BE49-F238E27FC236}">
-                <a16:creationId xmlns:a16="http://schemas.microsoft.com/office/drawing/2014/main" id="{9AA64EB3-C88E-4946-9013-C47524D8B048}"/>
+                <a16:creationId xmlns:a16="http://schemas.microsoft.com/office/drawing/2014/main" id="{63257DA4-B5AA-4D34-9676-3AE8634C27DE}"/>
               </a:ext>
             </a:extLst>
           </p:cNvPr>
@@ -799,7 +800,7 @@
           <p:cNvPr id="3" name="Content Placeholder 2">
             <a:extLst>
               <a:ext uri="{FF2B5EF4-FFF2-40B4-BE49-F238E27FC236}">
-                <a16:creationId xmlns:a16="http://schemas.microsoft.com/office/drawing/2014/main" id="{4CC49956-0EFA-4EE8-8900-5A4AF29E4A06}"/>
+                <a16:creationId xmlns:a16="http://schemas.microsoft.com/office/drawing/2014/main" id="{B4C4BFF9-6493-44E1-9430-36253A5DDD2F}"/>
               </a:ext>
             </a:extLst>
           </p:cNvPr>
@@ -857,7 +858,7 @@
           <p:cNvPr id="4" name="Date Placeholder 3">
             <a:extLst>
               <a:ext uri="{FF2B5EF4-FFF2-40B4-BE49-F238E27FC236}">
-                <a16:creationId xmlns:a16="http://schemas.microsoft.com/office/drawing/2014/main" id="{2D003B38-D1B9-40F1-AB38-3B700FAB5492}"/>
+                <a16:creationId xmlns:a16="http://schemas.microsoft.com/office/drawing/2014/main" id="{21DDDB7A-13C2-4CFD-8A63-A3787D2C1020}"/>
               </a:ext>
             </a:extLst>
           </p:cNvPr>
@@ -875,7 +876,7 @@
           <a:p>
             <a:fld id="{013E6F63-B683-4CFD-AA82-8CD82596D5CF}" type="datetimeFigureOut">
               <a:rPr lang="en-FI" smtClean="0"/>
-              <a:t>20/09/2019</a:t>
+              <a:t>03/10/2019</a:t>
             </a:fld>
             <a:endParaRPr lang="en-FI"/>
           </a:p>
@@ -886,7 +887,7 @@
           <p:cNvPr id="5" name="Footer Placeholder 4">
             <a:extLst>
               <a:ext uri="{FF2B5EF4-FFF2-40B4-BE49-F238E27FC236}">
-                <a16:creationId xmlns:a16="http://schemas.microsoft.com/office/drawing/2014/main" id="{C0C16531-7C76-40D0-8608-D54FE15B8770}"/>
+                <a16:creationId xmlns:a16="http://schemas.microsoft.com/office/drawing/2014/main" id="{8673440E-2512-4D35-88BC-0712F30CD6A2}"/>
               </a:ext>
             </a:extLst>
           </p:cNvPr>
@@ -911,7 +912,7 @@
           <p:cNvPr id="6" name="Slide Number Placeholder 5">
             <a:extLst>
               <a:ext uri="{FF2B5EF4-FFF2-40B4-BE49-F238E27FC236}">
-                <a16:creationId xmlns:a16="http://schemas.microsoft.com/office/drawing/2014/main" id="{8F015724-F9CA-497F-A004-47F9573FB909}"/>
+                <a16:creationId xmlns:a16="http://schemas.microsoft.com/office/drawing/2014/main" id="{1A72C300-8E45-48A2-AD15-15D9A994E044}"/>
               </a:ext>
             </a:extLst>
           </p:cNvPr>
@@ -938,7 +939,7 @@
     </p:spTree>
     <p:extLst>
       <p:ext uri="{BB962C8B-B14F-4D97-AF65-F5344CB8AC3E}">
-        <p14:creationId xmlns:p14="http://schemas.microsoft.com/office/powerpoint/2010/main" val="832290671"/>
+        <p14:creationId xmlns:p14="http://schemas.microsoft.com/office/powerpoint/2010/main" val="1818269118"/>
       </p:ext>
     </p:extLst>
   </p:cSld>
@@ -970,7 +971,7 @@
           <p:cNvPr id="2" name="Title 1">
             <a:extLst>
               <a:ext uri="{FF2B5EF4-FFF2-40B4-BE49-F238E27FC236}">
-                <a16:creationId xmlns:a16="http://schemas.microsoft.com/office/drawing/2014/main" id="{93B947E8-F024-419E-A7CE-25A4480B4C47}"/>
+                <a16:creationId xmlns:a16="http://schemas.microsoft.com/office/drawing/2014/main" id="{B7AE060F-09FD-4623-9794-91AEDB8B52EB}"/>
               </a:ext>
             </a:extLst>
           </p:cNvPr>
@@ -1008,7 +1009,7 @@
           <p:cNvPr id="3" name="Text Placeholder 2">
             <a:extLst>
               <a:ext uri="{FF2B5EF4-FFF2-40B4-BE49-F238E27FC236}">
-                <a16:creationId xmlns:a16="http://schemas.microsoft.com/office/drawing/2014/main" id="{63232835-A0E9-4FE7-8BB2-05FDE9D168C2}"/>
+                <a16:creationId xmlns:a16="http://schemas.microsoft.com/office/drawing/2014/main" id="{F1D637D4-5073-43AA-A269-2E5BFB57F627}"/>
               </a:ext>
             </a:extLst>
           </p:cNvPr>
@@ -1133,7 +1134,7 @@
           <p:cNvPr id="4" name="Date Placeholder 3">
             <a:extLst>
               <a:ext uri="{FF2B5EF4-FFF2-40B4-BE49-F238E27FC236}">
-                <a16:creationId xmlns:a16="http://schemas.microsoft.com/office/drawing/2014/main" id="{E3818D05-6A66-4FE0-871D-15E6AF355780}"/>
+                <a16:creationId xmlns:a16="http://schemas.microsoft.com/office/drawing/2014/main" id="{D1692B66-4656-4DBD-B45B-33BD0CD6549A}"/>
               </a:ext>
             </a:extLst>
           </p:cNvPr>
@@ -1151,7 +1152,7 @@
           <a:p>
             <a:fld id="{013E6F63-B683-4CFD-AA82-8CD82596D5CF}" type="datetimeFigureOut">
               <a:rPr lang="en-FI" smtClean="0"/>
-              <a:t>20/09/2019</a:t>
+              <a:t>03/10/2019</a:t>
             </a:fld>
             <a:endParaRPr lang="en-FI"/>
           </a:p>
@@ -1162,7 +1163,7 @@
           <p:cNvPr id="5" name="Footer Placeholder 4">
             <a:extLst>
               <a:ext uri="{FF2B5EF4-FFF2-40B4-BE49-F238E27FC236}">
-                <a16:creationId xmlns:a16="http://schemas.microsoft.com/office/drawing/2014/main" id="{EA14E995-F688-4D37-8B3E-AA8D9C58CE45}"/>
+                <a16:creationId xmlns:a16="http://schemas.microsoft.com/office/drawing/2014/main" id="{2D670515-17A5-4DA9-BBAF-CBFF5F73AA29}"/>
               </a:ext>
             </a:extLst>
           </p:cNvPr>
@@ -1187,7 +1188,7 @@
           <p:cNvPr id="6" name="Slide Number Placeholder 5">
             <a:extLst>
               <a:ext uri="{FF2B5EF4-FFF2-40B4-BE49-F238E27FC236}">
-                <a16:creationId xmlns:a16="http://schemas.microsoft.com/office/drawing/2014/main" id="{5E1A5064-9D3E-4285-BFE4-AD256252B157}"/>
+                <a16:creationId xmlns:a16="http://schemas.microsoft.com/office/drawing/2014/main" id="{2C02AE4A-21A7-42AA-9BDF-CBBCF8B3AA26}"/>
               </a:ext>
             </a:extLst>
           </p:cNvPr>
@@ -1214,7 +1215,7 @@
     </p:spTree>
     <p:extLst>
       <p:ext uri="{BB962C8B-B14F-4D97-AF65-F5344CB8AC3E}">
-        <p14:creationId xmlns:p14="http://schemas.microsoft.com/office/powerpoint/2010/main" val="1692141127"/>
+        <p14:creationId xmlns:p14="http://schemas.microsoft.com/office/powerpoint/2010/main" val="1954994563"/>
       </p:ext>
     </p:extLst>
   </p:cSld>
@@ -1246,7 +1247,7 @@
           <p:cNvPr id="2" name="Title 1">
             <a:extLst>
               <a:ext uri="{FF2B5EF4-FFF2-40B4-BE49-F238E27FC236}">
-                <a16:creationId xmlns:a16="http://schemas.microsoft.com/office/drawing/2014/main" id="{7924D52B-78CB-46B6-BCF6-E9CDCABE6ED8}"/>
+                <a16:creationId xmlns:a16="http://schemas.microsoft.com/office/drawing/2014/main" id="{68B6AF40-0E6E-4CD4-9B6D-04FAC963F182}"/>
               </a:ext>
             </a:extLst>
           </p:cNvPr>
@@ -1275,7 +1276,7 @@
           <p:cNvPr id="3" name="Content Placeholder 2">
             <a:extLst>
               <a:ext uri="{FF2B5EF4-FFF2-40B4-BE49-F238E27FC236}">
-                <a16:creationId xmlns:a16="http://schemas.microsoft.com/office/drawing/2014/main" id="{BFC18244-1ABD-447E-97C9-B591E8B17A8F}"/>
+                <a16:creationId xmlns:a16="http://schemas.microsoft.com/office/drawing/2014/main" id="{84AE19D1-1570-4C02-B9F7-DE8ED87711A2}"/>
               </a:ext>
             </a:extLst>
           </p:cNvPr>
@@ -1338,7 +1339,7 @@
           <p:cNvPr id="4" name="Content Placeholder 3">
             <a:extLst>
               <a:ext uri="{FF2B5EF4-FFF2-40B4-BE49-F238E27FC236}">
-                <a16:creationId xmlns:a16="http://schemas.microsoft.com/office/drawing/2014/main" id="{5BB08B7B-7F04-4365-857B-02EF1F0DDD84}"/>
+                <a16:creationId xmlns:a16="http://schemas.microsoft.com/office/drawing/2014/main" id="{B45971C0-0E26-4B79-AA93-0894A7536A3A}"/>
               </a:ext>
             </a:extLst>
           </p:cNvPr>
@@ -1401,7 +1402,7 @@
           <p:cNvPr id="5" name="Date Placeholder 4">
             <a:extLst>
               <a:ext uri="{FF2B5EF4-FFF2-40B4-BE49-F238E27FC236}">
-                <a16:creationId xmlns:a16="http://schemas.microsoft.com/office/drawing/2014/main" id="{08A308D2-0B74-495D-AD11-71F7A0E7381C}"/>
+                <a16:creationId xmlns:a16="http://schemas.microsoft.com/office/drawing/2014/main" id="{530E2C8B-731E-4909-8B9F-B1EB9E3D557E}"/>
               </a:ext>
             </a:extLst>
           </p:cNvPr>
@@ -1419,7 +1420,7 @@
           <a:p>
             <a:fld id="{013E6F63-B683-4CFD-AA82-8CD82596D5CF}" type="datetimeFigureOut">
               <a:rPr lang="en-FI" smtClean="0"/>
-              <a:t>20/09/2019</a:t>
+              <a:t>03/10/2019</a:t>
             </a:fld>
             <a:endParaRPr lang="en-FI"/>
           </a:p>
@@ -1430,7 +1431,7 @@
           <p:cNvPr id="6" name="Footer Placeholder 5">
             <a:extLst>
               <a:ext uri="{FF2B5EF4-FFF2-40B4-BE49-F238E27FC236}">
-                <a16:creationId xmlns:a16="http://schemas.microsoft.com/office/drawing/2014/main" id="{78BF56F7-0CF6-4500-84A5-650569BAB7BA}"/>
+                <a16:creationId xmlns:a16="http://schemas.microsoft.com/office/drawing/2014/main" id="{4341440D-8BBF-4DAA-86C3-28DEE9E84285}"/>
               </a:ext>
             </a:extLst>
           </p:cNvPr>
@@ -1455,7 +1456,7 @@
           <p:cNvPr id="7" name="Slide Number Placeholder 6">
             <a:extLst>
               <a:ext uri="{FF2B5EF4-FFF2-40B4-BE49-F238E27FC236}">
-                <a16:creationId xmlns:a16="http://schemas.microsoft.com/office/drawing/2014/main" id="{E51CC4D9-88A7-4103-8075-D95F1AE1DFCC}"/>
+                <a16:creationId xmlns:a16="http://schemas.microsoft.com/office/drawing/2014/main" id="{E0AC0598-3BA3-47CA-AEEE-254FF3D448F0}"/>
               </a:ext>
             </a:extLst>
           </p:cNvPr>
@@ -1482,7 +1483,7 @@
     </p:spTree>
     <p:extLst>
       <p:ext uri="{BB962C8B-B14F-4D97-AF65-F5344CB8AC3E}">
-        <p14:creationId xmlns:p14="http://schemas.microsoft.com/office/powerpoint/2010/main" val="4232817358"/>
+        <p14:creationId xmlns:p14="http://schemas.microsoft.com/office/powerpoint/2010/main" val="1884678276"/>
       </p:ext>
     </p:extLst>
   </p:cSld>
@@ -1514,7 +1515,7 @@
           <p:cNvPr id="2" name="Title 1">
             <a:extLst>
               <a:ext uri="{FF2B5EF4-FFF2-40B4-BE49-F238E27FC236}">
-                <a16:creationId xmlns:a16="http://schemas.microsoft.com/office/drawing/2014/main" id="{6DB1EBDE-60D1-4232-B632-F0E357E59424}"/>
+                <a16:creationId xmlns:a16="http://schemas.microsoft.com/office/drawing/2014/main" id="{C5B0E970-A760-45A4-A1CB-9B0FC3BDD995}"/>
               </a:ext>
             </a:extLst>
           </p:cNvPr>
@@ -1548,7 +1549,7 @@
           <p:cNvPr id="3" name="Text Placeholder 2">
             <a:extLst>
               <a:ext uri="{FF2B5EF4-FFF2-40B4-BE49-F238E27FC236}">
-                <a16:creationId xmlns:a16="http://schemas.microsoft.com/office/drawing/2014/main" id="{9996F8D6-EDED-4BF9-B481-1ABA1782C8C0}"/>
+                <a16:creationId xmlns:a16="http://schemas.microsoft.com/office/drawing/2014/main" id="{0595D3D4-5DAE-40AD-A5CE-53A041901A23}"/>
               </a:ext>
             </a:extLst>
           </p:cNvPr>
@@ -1619,7 +1620,7 @@
           <p:cNvPr id="4" name="Content Placeholder 3">
             <a:extLst>
               <a:ext uri="{FF2B5EF4-FFF2-40B4-BE49-F238E27FC236}">
-                <a16:creationId xmlns:a16="http://schemas.microsoft.com/office/drawing/2014/main" id="{AFE8034E-6DB8-4C96-ACF9-7176DEBBD4B0}"/>
+                <a16:creationId xmlns:a16="http://schemas.microsoft.com/office/drawing/2014/main" id="{FDF042E5-52CB-486D-A176-5345A8783AD9}"/>
               </a:ext>
             </a:extLst>
           </p:cNvPr>
@@ -1682,7 +1683,7 @@
           <p:cNvPr id="5" name="Text Placeholder 4">
             <a:extLst>
               <a:ext uri="{FF2B5EF4-FFF2-40B4-BE49-F238E27FC236}">
-                <a16:creationId xmlns:a16="http://schemas.microsoft.com/office/drawing/2014/main" id="{1782AA95-3AE3-4EDD-B989-49B3E11BC8EF}"/>
+                <a16:creationId xmlns:a16="http://schemas.microsoft.com/office/drawing/2014/main" id="{C0D45E8A-B595-458A-8067-5FCB0604F637}"/>
               </a:ext>
             </a:extLst>
           </p:cNvPr>
@@ -1753,7 +1754,7 @@
           <p:cNvPr id="6" name="Content Placeholder 5">
             <a:extLst>
               <a:ext uri="{FF2B5EF4-FFF2-40B4-BE49-F238E27FC236}">
-                <a16:creationId xmlns:a16="http://schemas.microsoft.com/office/drawing/2014/main" id="{B2A4D8D5-6279-4FDF-9382-74F694985820}"/>
+                <a16:creationId xmlns:a16="http://schemas.microsoft.com/office/drawing/2014/main" id="{F6196ECC-30B1-42ED-A621-0DDD14F3D59A}"/>
               </a:ext>
             </a:extLst>
           </p:cNvPr>
@@ -1816,7 +1817,7 @@
           <p:cNvPr id="7" name="Date Placeholder 6">
             <a:extLst>
               <a:ext uri="{FF2B5EF4-FFF2-40B4-BE49-F238E27FC236}">
-                <a16:creationId xmlns:a16="http://schemas.microsoft.com/office/drawing/2014/main" id="{E31D3CC6-4836-4DAC-8E4A-ACDD4DC3E598}"/>
+                <a16:creationId xmlns:a16="http://schemas.microsoft.com/office/drawing/2014/main" id="{C0E60680-27F8-4ABF-8A2F-2E53A3FC50EB}"/>
               </a:ext>
             </a:extLst>
           </p:cNvPr>
@@ -1834,7 +1835,7 @@
           <a:p>
             <a:fld id="{013E6F63-B683-4CFD-AA82-8CD82596D5CF}" type="datetimeFigureOut">
               <a:rPr lang="en-FI" smtClean="0"/>
-              <a:t>20/09/2019</a:t>
+              <a:t>03/10/2019</a:t>
             </a:fld>
             <a:endParaRPr lang="en-FI"/>
           </a:p>
@@ -1845,7 +1846,7 @@
           <p:cNvPr id="8" name="Footer Placeholder 7">
             <a:extLst>
               <a:ext uri="{FF2B5EF4-FFF2-40B4-BE49-F238E27FC236}">
-                <a16:creationId xmlns:a16="http://schemas.microsoft.com/office/drawing/2014/main" id="{9C796658-E8ED-4C09-9F83-15D2A870DC3D}"/>
+                <a16:creationId xmlns:a16="http://schemas.microsoft.com/office/drawing/2014/main" id="{994A0FD4-A2C5-4C7A-851A-05968D2E6A66}"/>
               </a:ext>
             </a:extLst>
           </p:cNvPr>
@@ -1870,7 +1871,7 @@
           <p:cNvPr id="9" name="Slide Number Placeholder 8">
             <a:extLst>
               <a:ext uri="{FF2B5EF4-FFF2-40B4-BE49-F238E27FC236}">
-                <a16:creationId xmlns:a16="http://schemas.microsoft.com/office/drawing/2014/main" id="{C19C1CCD-020E-4DED-85A7-9412F797429C}"/>
+                <a16:creationId xmlns:a16="http://schemas.microsoft.com/office/drawing/2014/main" id="{45389D0A-7212-47F0-B23C-F2D801239664}"/>
               </a:ext>
             </a:extLst>
           </p:cNvPr>
@@ -1897,7 +1898,7 @@
     </p:spTree>
     <p:extLst>
       <p:ext uri="{BB962C8B-B14F-4D97-AF65-F5344CB8AC3E}">
-        <p14:creationId xmlns:p14="http://schemas.microsoft.com/office/powerpoint/2010/main" val="1530841725"/>
+        <p14:creationId xmlns:p14="http://schemas.microsoft.com/office/powerpoint/2010/main" val="2421637920"/>
       </p:ext>
     </p:extLst>
   </p:cSld>
@@ -1929,7 +1930,7 @@
           <p:cNvPr id="2" name="Title 1">
             <a:extLst>
               <a:ext uri="{FF2B5EF4-FFF2-40B4-BE49-F238E27FC236}">
-                <a16:creationId xmlns:a16="http://schemas.microsoft.com/office/drawing/2014/main" id="{79B7CCB8-C721-4E75-A2A3-6F45B3843548}"/>
+                <a16:creationId xmlns:a16="http://schemas.microsoft.com/office/drawing/2014/main" id="{EC35C6ED-9B96-45BD-B5B5-42B735B19067}"/>
               </a:ext>
             </a:extLst>
           </p:cNvPr>
@@ -1958,7 +1959,7 @@
           <p:cNvPr id="3" name="Date Placeholder 2">
             <a:extLst>
               <a:ext uri="{FF2B5EF4-FFF2-40B4-BE49-F238E27FC236}">
-                <a16:creationId xmlns:a16="http://schemas.microsoft.com/office/drawing/2014/main" id="{61B019BB-95C0-4172-974D-056CC4FF612F}"/>
+                <a16:creationId xmlns:a16="http://schemas.microsoft.com/office/drawing/2014/main" id="{063626AF-ECC7-4412-B7F8-F4C7DFB30B8A}"/>
               </a:ext>
             </a:extLst>
           </p:cNvPr>
@@ -1976,7 +1977,7 @@
           <a:p>
             <a:fld id="{013E6F63-B683-4CFD-AA82-8CD82596D5CF}" type="datetimeFigureOut">
               <a:rPr lang="en-FI" smtClean="0"/>
-              <a:t>20/09/2019</a:t>
+              <a:t>03/10/2019</a:t>
             </a:fld>
             <a:endParaRPr lang="en-FI"/>
           </a:p>
@@ -1987,7 +1988,7 @@
           <p:cNvPr id="4" name="Footer Placeholder 3">
             <a:extLst>
               <a:ext uri="{FF2B5EF4-FFF2-40B4-BE49-F238E27FC236}">
-                <a16:creationId xmlns:a16="http://schemas.microsoft.com/office/drawing/2014/main" id="{46B47343-503C-47BB-9D53-392D42FC86D7}"/>
+                <a16:creationId xmlns:a16="http://schemas.microsoft.com/office/drawing/2014/main" id="{BFF8A85E-364A-42E5-821A-1B4DBF87ECB5}"/>
               </a:ext>
             </a:extLst>
           </p:cNvPr>
@@ -2012,7 +2013,7 @@
           <p:cNvPr id="5" name="Slide Number Placeholder 4">
             <a:extLst>
               <a:ext uri="{FF2B5EF4-FFF2-40B4-BE49-F238E27FC236}">
-                <a16:creationId xmlns:a16="http://schemas.microsoft.com/office/drawing/2014/main" id="{65520FDC-694F-4AE6-9202-0159B50567C4}"/>
+                <a16:creationId xmlns:a16="http://schemas.microsoft.com/office/drawing/2014/main" id="{14ED46A4-B3DD-4B63-AB1A-1769B6141BA7}"/>
               </a:ext>
             </a:extLst>
           </p:cNvPr>
@@ -2039,7 +2040,7 @@
     </p:spTree>
     <p:extLst>
       <p:ext uri="{BB962C8B-B14F-4D97-AF65-F5344CB8AC3E}">
-        <p14:creationId xmlns:p14="http://schemas.microsoft.com/office/powerpoint/2010/main" val="1039829694"/>
+        <p14:creationId xmlns:p14="http://schemas.microsoft.com/office/powerpoint/2010/main" val="2725234382"/>
       </p:ext>
     </p:extLst>
   </p:cSld>
@@ -2071,7 +2072,7 @@
           <p:cNvPr id="2" name="Date Placeholder 1">
             <a:extLst>
               <a:ext uri="{FF2B5EF4-FFF2-40B4-BE49-F238E27FC236}">
-                <a16:creationId xmlns:a16="http://schemas.microsoft.com/office/drawing/2014/main" id="{437A96F8-1F1A-4928-91F4-BA92E70360DC}"/>
+                <a16:creationId xmlns:a16="http://schemas.microsoft.com/office/drawing/2014/main" id="{C0BA705B-4DF7-48D9-AA03-079E7F67796B}"/>
               </a:ext>
             </a:extLst>
           </p:cNvPr>
@@ -2089,7 +2090,7 @@
           <a:p>
             <a:fld id="{013E6F63-B683-4CFD-AA82-8CD82596D5CF}" type="datetimeFigureOut">
               <a:rPr lang="en-FI" smtClean="0"/>
-              <a:t>20/09/2019</a:t>
+              <a:t>03/10/2019</a:t>
             </a:fld>
             <a:endParaRPr lang="en-FI"/>
           </a:p>
@@ -2100,7 +2101,7 @@
           <p:cNvPr id="3" name="Footer Placeholder 2">
             <a:extLst>
               <a:ext uri="{FF2B5EF4-FFF2-40B4-BE49-F238E27FC236}">
-                <a16:creationId xmlns:a16="http://schemas.microsoft.com/office/drawing/2014/main" id="{0E1AF50B-B865-48BD-9572-C9B245928F6E}"/>
+                <a16:creationId xmlns:a16="http://schemas.microsoft.com/office/drawing/2014/main" id="{E6ABA0C4-7008-4AD6-B857-A159C32E1D71}"/>
               </a:ext>
             </a:extLst>
           </p:cNvPr>
@@ -2125,7 +2126,7 @@
           <p:cNvPr id="4" name="Slide Number Placeholder 3">
             <a:extLst>
               <a:ext uri="{FF2B5EF4-FFF2-40B4-BE49-F238E27FC236}">
-                <a16:creationId xmlns:a16="http://schemas.microsoft.com/office/drawing/2014/main" id="{A68D9BA4-3F19-455B-B2E6-EC4041E75CE1}"/>
+                <a16:creationId xmlns:a16="http://schemas.microsoft.com/office/drawing/2014/main" id="{C24CCD2A-0EA6-4148-8E9C-3B364253F40B}"/>
               </a:ext>
             </a:extLst>
           </p:cNvPr>
@@ -2152,7 +2153,7 @@
     </p:spTree>
     <p:extLst>
       <p:ext uri="{BB962C8B-B14F-4D97-AF65-F5344CB8AC3E}">
-        <p14:creationId xmlns:p14="http://schemas.microsoft.com/office/powerpoint/2010/main" val="3398942845"/>
+        <p14:creationId xmlns:p14="http://schemas.microsoft.com/office/powerpoint/2010/main" val="67836906"/>
       </p:ext>
     </p:extLst>
   </p:cSld>
@@ -2184,7 +2185,7 @@
           <p:cNvPr id="2" name="Title 1">
             <a:extLst>
               <a:ext uri="{FF2B5EF4-FFF2-40B4-BE49-F238E27FC236}">
-                <a16:creationId xmlns:a16="http://schemas.microsoft.com/office/drawing/2014/main" id="{E25F7DE2-81CD-458D-8358-E0EBF6685188}"/>
+                <a16:creationId xmlns:a16="http://schemas.microsoft.com/office/drawing/2014/main" id="{1543ED81-FB6D-4E9F-9319-39DC8C9C8113}"/>
               </a:ext>
             </a:extLst>
           </p:cNvPr>
@@ -2222,7 +2223,7 @@
           <p:cNvPr id="3" name="Content Placeholder 2">
             <a:extLst>
               <a:ext uri="{FF2B5EF4-FFF2-40B4-BE49-F238E27FC236}">
-                <a16:creationId xmlns:a16="http://schemas.microsoft.com/office/drawing/2014/main" id="{109E42AF-E4BF-4107-AB57-AB3D2643E597}"/>
+                <a16:creationId xmlns:a16="http://schemas.microsoft.com/office/drawing/2014/main" id="{4428CFB7-1C54-4DBA-AA99-8BB2BAC89410}"/>
               </a:ext>
             </a:extLst>
           </p:cNvPr>
@@ -2313,7 +2314,7 @@
           <p:cNvPr id="4" name="Text Placeholder 3">
             <a:extLst>
               <a:ext uri="{FF2B5EF4-FFF2-40B4-BE49-F238E27FC236}">
-                <a16:creationId xmlns:a16="http://schemas.microsoft.com/office/drawing/2014/main" id="{45973494-0222-48A8-BFC6-2037047EF375}"/>
+                <a16:creationId xmlns:a16="http://schemas.microsoft.com/office/drawing/2014/main" id="{0636DCAD-AA93-475A-9DE6-2D26FB654E85}"/>
               </a:ext>
             </a:extLst>
           </p:cNvPr>
@@ -2384,7 +2385,7 @@
           <p:cNvPr id="5" name="Date Placeholder 4">
             <a:extLst>
               <a:ext uri="{FF2B5EF4-FFF2-40B4-BE49-F238E27FC236}">
-                <a16:creationId xmlns:a16="http://schemas.microsoft.com/office/drawing/2014/main" id="{F5F92CAE-38D9-40F5-98E5-9B969682B7DF}"/>
+                <a16:creationId xmlns:a16="http://schemas.microsoft.com/office/drawing/2014/main" id="{08732C38-76B8-49FF-BE0F-00942F151BCC}"/>
               </a:ext>
             </a:extLst>
           </p:cNvPr>
@@ -2402,7 +2403,7 @@
           <a:p>
             <a:fld id="{013E6F63-B683-4CFD-AA82-8CD82596D5CF}" type="datetimeFigureOut">
               <a:rPr lang="en-FI" smtClean="0"/>
-              <a:t>20/09/2019</a:t>
+              <a:t>03/10/2019</a:t>
             </a:fld>
             <a:endParaRPr lang="en-FI"/>
           </a:p>
@@ -2413,7 +2414,7 @@
           <p:cNvPr id="6" name="Footer Placeholder 5">
             <a:extLst>
               <a:ext uri="{FF2B5EF4-FFF2-40B4-BE49-F238E27FC236}">
-                <a16:creationId xmlns:a16="http://schemas.microsoft.com/office/drawing/2014/main" id="{B6048744-01A3-454A-A574-C8B48133F6AF}"/>
+                <a16:creationId xmlns:a16="http://schemas.microsoft.com/office/drawing/2014/main" id="{F2A6AA9A-5DE6-44CC-A554-25B755A0F679}"/>
               </a:ext>
             </a:extLst>
           </p:cNvPr>
@@ -2438,7 +2439,7 @@
           <p:cNvPr id="7" name="Slide Number Placeholder 6">
             <a:extLst>
               <a:ext uri="{FF2B5EF4-FFF2-40B4-BE49-F238E27FC236}">
-                <a16:creationId xmlns:a16="http://schemas.microsoft.com/office/drawing/2014/main" id="{ECC2D1B0-1B47-4631-A5E6-A6F5CF9464F1}"/>
+                <a16:creationId xmlns:a16="http://schemas.microsoft.com/office/drawing/2014/main" id="{A776481E-AC43-4991-B984-235B2BA8EAD6}"/>
               </a:ext>
             </a:extLst>
           </p:cNvPr>
@@ -2465,7 +2466,7 @@
     </p:spTree>
     <p:extLst>
       <p:ext uri="{BB962C8B-B14F-4D97-AF65-F5344CB8AC3E}">
-        <p14:creationId xmlns:p14="http://schemas.microsoft.com/office/powerpoint/2010/main" val="3637839845"/>
+        <p14:creationId xmlns:p14="http://schemas.microsoft.com/office/powerpoint/2010/main" val="2719722445"/>
       </p:ext>
     </p:extLst>
   </p:cSld>
@@ -2497,7 +2498,7 @@
           <p:cNvPr id="2" name="Title 1">
             <a:extLst>
               <a:ext uri="{FF2B5EF4-FFF2-40B4-BE49-F238E27FC236}">
-                <a16:creationId xmlns:a16="http://schemas.microsoft.com/office/drawing/2014/main" id="{62EA10BE-07BB-47AE-92B3-D26D172C9D76}"/>
+                <a16:creationId xmlns:a16="http://schemas.microsoft.com/office/drawing/2014/main" id="{F36D6876-9ED3-43E9-A562-FFDF7E238CA4}"/>
               </a:ext>
             </a:extLst>
           </p:cNvPr>
@@ -2535,7 +2536,7 @@
           <p:cNvPr id="3" name="Picture Placeholder 2">
             <a:extLst>
               <a:ext uri="{FF2B5EF4-FFF2-40B4-BE49-F238E27FC236}">
-                <a16:creationId xmlns:a16="http://schemas.microsoft.com/office/drawing/2014/main" id="{15501B1A-5A8B-47DE-884A-9871525A4660}"/>
+                <a16:creationId xmlns:a16="http://schemas.microsoft.com/office/drawing/2014/main" id="{5C09380D-1B9C-48AA-B955-03D199DADC35}"/>
               </a:ext>
             </a:extLst>
           </p:cNvPr>
@@ -2602,7 +2603,7 @@
           <p:cNvPr id="4" name="Text Placeholder 3">
             <a:extLst>
               <a:ext uri="{FF2B5EF4-FFF2-40B4-BE49-F238E27FC236}">
-                <a16:creationId xmlns:a16="http://schemas.microsoft.com/office/drawing/2014/main" id="{26CA72F2-DF0E-4BBB-82EC-E793D4F7B4DD}"/>
+                <a16:creationId xmlns:a16="http://schemas.microsoft.com/office/drawing/2014/main" id="{90122545-CFB1-43FB-9C46-5B6F3DA10745}"/>
               </a:ext>
             </a:extLst>
           </p:cNvPr>
@@ -2673,7 +2674,7 @@
           <p:cNvPr id="5" name="Date Placeholder 4">
             <a:extLst>
               <a:ext uri="{FF2B5EF4-FFF2-40B4-BE49-F238E27FC236}">
-                <a16:creationId xmlns:a16="http://schemas.microsoft.com/office/drawing/2014/main" id="{C915CB85-5E41-44D3-93FD-4FC1457B00C3}"/>
+                <a16:creationId xmlns:a16="http://schemas.microsoft.com/office/drawing/2014/main" id="{4D9F9C9C-F198-4813-A0F6-B76FD84FE558}"/>
               </a:ext>
             </a:extLst>
           </p:cNvPr>
@@ -2691,7 +2692,7 @@
           <a:p>
             <a:fld id="{013E6F63-B683-4CFD-AA82-8CD82596D5CF}" type="datetimeFigureOut">
               <a:rPr lang="en-FI" smtClean="0"/>
-              <a:t>20/09/2019</a:t>
+              <a:t>03/10/2019</a:t>
             </a:fld>
             <a:endParaRPr lang="en-FI"/>
           </a:p>
@@ -2702,7 +2703,7 @@
           <p:cNvPr id="6" name="Footer Placeholder 5">
             <a:extLst>
               <a:ext uri="{FF2B5EF4-FFF2-40B4-BE49-F238E27FC236}">
-                <a16:creationId xmlns:a16="http://schemas.microsoft.com/office/drawing/2014/main" id="{6EFDD690-3A90-4C99-89D4-FE3211735EA6}"/>
+                <a16:creationId xmlns:a16="http://schemas.microsoft.com/office/drawing/2014/main" id="{BDA76879-A391-429A-AD47-C96BDF292572}"/>
               </a:ext>
             </a:extLst>
           </p:cNvPr>
@@ -2727,7 +2728,7 @@
           <p:cNvPr id="7" name="Slide Number Placeholder 6">
             <a:extLst>
               <a:ext uri="{FF2B5EF4-FFF2-40B4-BE49-F238E27FC236}">
-                <a16:creationId xmlns:a16="http://schemas.microsoft.com/office/drawing/2014/main" id="{D7A4FC95-0C36-4199-8DEE-B49885CCA7F4}"/>
+                <a16:creationId xmlns:a16="http://schemas.microsoft.com/office/drawing/2014/main" id="{D89635AD-3F2B-4C4C-A3A1-042A49581FFB}"/>
               </a:ext>
             </a:extLst>
           </p:cNvPr>
@@ -2754,7 +2755,7 @@
     </p:spTree>
     <p:extLst>
       <p:ext uri="{BB962C8B-B14F-4D97-AF65-F5344CB8AC3E}">
-        <p14:creationId xmlns:p14="http://schemas.microsoft.com/office/powerpoint/2010/main" val="3303739469"/>
+        <p14:creationId xmlns:p14="http://schemas.microsoft.com/office/powerpoint/2010/main" val="1925357723"/>
       </p:ext>
     </p:extLst>
   </p:cSld>
@@ -2791,7 +2792,7 @@
           <p:cNvPr id="2" name="Title Placeholder 1">
             <a:extLst>
               <a:ext uri="{FF2B5EF4-FFF2-40B4-BE49-F238E27FC236}">
-                <a16:creationId xmlns:a16="http://schemas.microsoft.com/office/drawing/2014/main" id="{A2618DF5-989A-4952-8012-1C4797FC541C}"/>
+                <a16:creationId xmlns:a16="http://schemas.microsoft.com/office/drawing/2014/main" id="{1E995D4C-B8CD-4468-B215-115991CA6165}"/>
               </a:ext>
             </a:extLst>
           </p:cNvPr>
@@ -2830,7 +2831,7 @@
           <p:cNvPr id="3" name="Text Placeholder 2">
             <a:extLst>
               <a:ext uri="{FF2B5EF4-FFF2-40B4-BE49-F238E27FC236}">
-                <a16:creationId xmlns:a16="http://schemas.microsoft.com/office/drawing/2014/main" id="{C86EF4B6-2E9E-4458-B33F-47CD425F7FCF}"/>
+                <a16:creationId xmlns:a16="http://schemas.microsoft.com/office/drawing/2014/main" id="{BAF4CEF2-1108-4BA4-A74E-48BDCD411123}"/>
               </a:ext>
             </a:extLst>
           </p:cNvPr>
@@ -2898,7 +2899,7 @@
           <p:cNvPr id="4" name="Date Placeholder 3">
             <a:extLst>
               <a:ext uri="{FF2B5EF4-FFF2-40B4-BE49-F238E27FC236}">
-                <a16:creationId xmlns:a16="http://schemas.microsoft.com/office/drawing/2014/main" id="{59F16DDD-CD32-4D2C-B4FA-ACE1E6BD5405}"/>
+                <a16:creationId xmlns:a16="http://schemas.microsoft.com/office/drawing/2014/main" id="{DF6899F4-5DFF-4004-B1D3-C706F4CC6B48}"/>
               </a:ext>
             </a:extLst>
           </p:cNvPr>
@@ -2934,7 +2935,7 @@
           <a:p>
             <a:fld id="{013E6F63-B683-4CFD-AA82-8CD82596D5CF}" type="datetimeFigureOut">
               <a:rPr lang="en-FI" smtClean="0"/>
-              <a:t>20/09/2019</a:t>
+              <a:t>03/10/2019</a:t>
             </a:fld>
             <a:endParaRPr lang="en-FI"/>
           </a:p>
@@ -2945,7 +2946,7 @@
           <p:cNvPr id="5" name="Footer Placeholder 4">
             <a:extLst>
               <a:ext uri="{FF2B5EF4-FFF2-40B4-BE49-F238E27FC236}">
-                <a16:creationId xmlns:a16="http://schemas.microsoft.com/office/drawing/2014/main" id="{0CE04B66-C589-40D8-85B8-47894224BE86}"/>
+                <a16:creationId xmlns:a16="http://schemas.microsoft.com/office/drawing/2014/main" id="{44EA8BDE-D83F-4AFF-B3B4-221FEBD1F9C3}"/>
               </a:ext>
             </a:extLst>
           </p:cNvPr>
@@ -2988,7 +2989,7 @@
           <p:cNvPr id="6" name="Slide Number Placeholder 5">
             <a:extLst>
               <a:ext uri="{FF2B5EF4-FFF2-40B4-BE49-F238E27FC236}">
-                <a16:creationId xmlns:a16="http://schemas.microsoft.com/office/drawing/2014/main" id="{12BEC520-89EB-4D3C-98BF-C1E82098AF62}"/>
+                <a16:creationId xmlns:a16="http://schemas.microsoft.com/office/drawing/2014/main" id="{6ECAFF3A-1D74-496B-A560-405CEEC9801F}"/>
               </a:ext>
             </a:extLst>
           </p:cNvPr>
@@ -3033,23 +3034,23 @@
     </p:spTree>
     <p:extLst>
       <p:ext uri="{BB962C8B-B14F-4D97-AF65-F5344CB8AC3E}">
-        <p14:creationId xmlns:p14="http://schemas.microsoft.com/office/powerpoint/2010/main" val="1658356064"/>
+        <p14:creationId xmlns:p14="http://schemas.microsoft.com/office/powerpoint/2010/main" val="4118069885"/>
       </p:ext>
     </p:extLst>
   </p:cSld>
   <p:clrMap bg1="lt1" tx1="dk1" bg2="lt2" tx2="dk2" accent1="accent1" accent2="accent2" accent3="accent3" accent4="accent4" accent5="accent5" accent6="accent6" hlink="hlink" folHlink="folHlink"/>
   <p:sldLayoutIdLst>
-    <p:sldLayoutId id="2147483649" r:id="rId1"/>
-    <p:sldLayoutId id="2147483650" r:id="rId2"/>
-    <p:sldLayoutId id="2147483651" r:id="rId3"/>
-    <p:sldLayoutId id="2147483652" r:id="rId4"/>
-    <p:sldLayoutId id="2147483653" r:id="rId5"/>
-    <p:sldLayoutId id="2147483654" r:id="rId6"/>
-    <p:sldLayoutId id="2147483655" r:id="rId7"/>
-    <p:sldLayoutId id="2147483656" r:id="rId8"/>
-    <p:sldLayoutId id="2147483657" r:id="rId9"/>
-    <p:sldLayoutId id="2147483658" r:id="rId10"/>
-    <p:sldLayoutId id="2147483659" r:id="rId11"/>
+    <p:sldLayoutId id="2147483781" r:id="rId1"/>
+    <p:sldLayoutId id="2147483782" r:id="rId2"/>
+    <p:sldLayoutId id="2147483783" r:id="rId3"/>
+    <p:sldLayoutId id="2147483784" r:id="rId4"/>
+    <p:sldLayoutId id="2147483785" r:id="rId5"/>
+    <p:sldLayoutId id="2147483786" r:id="rId6"/>
+    <p:sldLayoutId id="2147483787" r:id="rId7"/>
+    <p:sldLayoutId id="2147483788" r:id="rId8"/>
+    <p:sldLayoutId id="2147483789" r:id="rId9"/>
+    <p:sldLayoutId id="2147483790" r:id="rId10"/>
+    <p:sldLayoutId id="2147483791" r:id="rId11"/>
   </p:sldLayoutIdLst>
   <p:txStyles>
     <p:titleStyle>
@@ -3373,8 +3374,16 @@
           <a:lstStyle/>
           <a:p>
             <a:r>
+              <a:rPr lang="en-US" dirty="0" err="1"/>
+              <a:t>Roolipelidemo</a:t>
+            </a:r>
+            <a:r>
               <a:rPr lang="en-US" dirty="0"/>
-              <a:t>OpenGL RPG</a:t>
+              <a:t> </a:t>
+            </a:r>
+            <a:r>
+              <a:rPr lang="en-US" dirty="0" err="1"/>
+              <a:t>OpenGL:llä</a:t>
             </a:r>
             <a:endParaRPr lang="en-FI" dirty="0"/>
           </a:p>
@@ -3401,6 +3410,10 @@
           <a:bodyPr/>
           <a:lstStyle/>
           <a:p>
+            <a:r>
+              <a:rPr lang="en-US" dirty="0"/>
+              <a:t>Teemu Turku</a:t>
+            </a:r>
             <a:endParaRPr lang="en-FI" dirty="0"/>
           </a:p>
         </p:txBody>
@@ -3593,7 +3606,7 @@
           <a:p>
             <a:r>
               <a:rPr lang="en-US" dirty="0" err="1"/>
-              <a:t>Toteutus</a:t>
+              <a:t>Inspiraatio</a:t>
             </a:r>
             <a:endParaRPr lang="en-FI" dirty="0"/>
           </a:p>
@@ -3620,86 +3633,6 @@
           <a:bodyPr/>
           <a:lstStyle/>
           <a:p>
-            <a:r>
-              <a:rPr lang="en-US" dirty="0"/>
-              <a:t>OpenGL</a:t>
-            </a:r>
-          </a:p>
-          <a:p>
-            <a:r>
-              <a:rPr lang="en-US" dirty="0"/>
-              <a:t>GLFW </a:t>
-            </a:r>
-            <a:r>
-              <a:rPr lang="en-US" dirty="0" err="1"/>
-              <a:t>renderöintiin</a:t>
-            </a:r>
-            <a:endParaRPr lang="en-US" dirty="0"/>
-          </a:p>
-          <a:p>
-            <a:r>
-              <a:rPr lang="en-US" dirty="0"/>
-              <a:t>GLAD, </a:t>
-            </a:r>
-            <a:r>
-              <a:rPr lang="en-US" dirty="0" err="1"/>
-              <a:t>jotta</a:t>
-            </a:r>
-            <a:r>
-              <a:rPr lang="en-US" dirty="0"/>
-              <a:t> </a:t>
-            </a:r>
-            <a:r>
-              <a:rPr lang="en-US" dirty="0" err="1"/>
-              <a:t>peli</a:t>
-            </a:r>
-            <a:r>
-              <a:rPr lang="en-US" dirty="0"/>
-              <a:t> </a:t>
-            </a:r>
-            <a:r>
-              <a:rPr lang="en-US" dirty="0" err="1"/>
-              <a:t>toimii</a:t>
-            </a:r>
-            <a:r>
-              <a:rPr lang="en-US" dirty="0"/>
-              <a:t> </a:t>
-            </a:r>
-            <a:r>
-              <a:rPr lang="en-US" dirty="0" err="1"/>
-              <a:t>eri</a:t>
-            </a:r>
-            <a:r>
-              <a:rPr lang="en-US" dirty="0"/>
-              <a:t> </a:t>
-            </a:r>
-            <a:r>
-              <a:rPr lang="en-US" dirty="0" err="1"/>
-              <a:t>grafiikkakorteilla</a:t>
-            </a:r>
-            <a:r>
-              <a:rPr lang="en-US" dirty="0"/>
-              <a:t> ja </a:t>
-            </a:r>
-            <a:r>
-              <a:rPr lang="en-US" dirty="0" err="1"/>
-              <a:t>ajureilla</a:t>
-            </a:r>
-            <a:endParaRPr lang="en-US" dirty="0"/>
-          </a:p>
-          <a:p>
-            <a:r>
-              <a:rPr lang="en-US" dirty="0" err="1"/>
-              <a:t>OpenAL</a:t>
-            </a:r>
-            <a:r>
-              <a:rPr lang="en-US" dirty="0"/>
-              <a:t> </a:t>
-            </a:r>
-            <a:r>
-              <a:rPr lang="en-US" dirty="0" err="1"/>
-              <a:t>äänentoistoon</a:t>
-            </a:r>
             <a:endParaRPr lang="en-FI" dirty="0"/>
           </a:p>
         </p:txBody>
@@ -3707,7 +3640,7 @@
     </p:spTree>
     <p:extLst>
       <p:ext uri="{BB962C8B-B14F-4D97-AF65-F5344CB8AC3E}">
-        <p14:creationId xmlns:p14="http://schemas.microsoft.com/office/powerpoint/2010/main" val="699456255"/>
+        <p14:creationId xmlns:p14="http://schemas.microsoft.com/office/powerpoint/2010/main" val="1661556691"/>
       </p:ext>
     </p:extLst>
   </p:cSld>
@@ -3757,7 +3690,7 @@
           <a:p>
             <a:r>
               <a:rPr lang="en-US" dirty="0" err="1"/>
-              <a:t>Inspiraatio</a:t>
+              <a:t>Toteutus</a:t>
             </a:r>
             <a:endParaRPr lang="en-FI" dirty="0"/>
           </a:p>
@@ -3784,6 +3717,86 @@
           <a:bodyPr/>
           <a:lstStyle/>
           <a:p>
+            <a:r>
+              <a:rPr lang="en-US" dirty="0"/>
+              <a:t>OpenGL</a:t>
+            </a:r>
+          </a:p>
+          <a:p>
+            <a:r>
+              <a:rPr lang="en-US" dirty="0"/>
+              <a:t>GLFW </a:t>
+            </a:r>
+            <a:r>
+              <a:rPr lang="en-US" dirty="0" err="1"/>
+              <a:t>renderöintiin</a:t>
+            </a:r>
+            <a:endParaRPr lang="en-US" dirty="0"/>
+          </a:p>
+          <a:p>
+            <a:r>
+              <a:rPr lang="en-US" dirty="0"/>
+              <a:t>GLAD, </a:t>
+            </a:r>
+            <a:r>
+              <a:rPr lang="en-US" dirty="0" err="1"/>
+              <a:t>jotta</a:t>
+            </a:r>
+            <a:r>
+              <a:rPr lang="en-US" dirty="0"/>
+              <a:t> </a:t>
+            </a:r>
+            <a:r>
+              <a:rPr lang="en-US" dirty="0" err="1"/>
+              <a:t>peli</a:t>
+            </a:r>
+            <a:r>
+              <a:rPr lang="en-US" dirty="0"/>
+              <a:t> </a:t>
+            </a:r>
+            <a:r>
+              <a:rPr lang="en-US" dirty="0" err="1"/>
+              <a:t>toimii</a:t>
+            </a:r>
+            <a:r>
+              <a:rPr lang="en-US" dirty="0"/>
+              <a:t> </a:t>
+            </a:r>
+            <a:r>
+              <a:rPr lang="en-US" dirty="0" err="1"/>
+              <a:t>eri</a:t>
+            </a:r>
+            <a:r>
+              <a:rPr lang="en-US" dirty="0"/>
+              <a:t> </a:t>
+            </a:r>
+            <a:r>
+              <a:rPr lang="en-US" dirty="0" err="1"/>
+              <a:t>grafiikkakorteilla</a:t>
+            </a:r>
+            <a:r>
+              <a:rPr lang="en-US" dirty="0"/>
+              <a:t> ja </a:t>
+            </a:r>
+            <a:r>
+              <a:rPr lang="en-US" dirty="0" err="1"/>
+              <a:t>ajureilla</a:t>
+            </a:r>
+            <a:endParaRPr lang="en-US" dirty="0"/>
+          </a:p>
+          <a:p>
+            <a:r>
+              <a:rPr lang="en-US" dirty="0" err="1"/>
+              <a:t>OpenAL</a:t>
+            </a:r>
+            <a:r>
+              <a:rPr lang="en-US" dirty="0"/>
+              <a:t> </a:t>
+            </a:r>
+            <a:r>
+              <a:rPr lang="en-US" dirty="0" err="1"/>
+              <a:t>äänentoistoon</a:t>
+            </a:r>
             <a:endParaRPr lang="en-FI" dirty="0"/>
           </a:p>
         </p:txBody>
@@ -3791,7 +3804,7 @@
     </p:spTree>
     <p:extLst>
       <p:ext uri="{BB962C8B-B14F-4D97-AF65-F5344CB8AC3E}">
-        <p14:creationId xmlns:p14="http://schemas.microsoft.com/office/powerpoint/2010/main" val="1661556691"/>
+        <p14:creationId xmlns:p14="http://schemas.microsoft.com/office/powerpoint/2010/main" val="699456255"/>
       </p:ext>
     </p:extLst>
   </p:cSld>
@@ -3823,6 +3836,102 @@
           <p:cNvPr id="2" name="Title 1">
             <a:extLst>
               <a:ext uri="{FF2B5EF4-FFF2-40B4-BE49-F238E27FC236}">
+                <a16:creationId xmlns:a16="http://schemas.microsoft.com/office/drawing/2014/main" id="{23736E40-E270-448A-BD7B-C588EFDC343C}"/>
+              </a:ext>
+            </a:extLst>
+          </p:cNvPr>
+          <p:cNvSpPr>
+            <a:spLocks noGrp="1"/>
+          </p:cNvSpPr>
+          <p:nvPr>
+            <p:ph type="title"/>
+          </p:nvPr>
+        </p:nvSpPr>
+        <p:spPr/>
+        <p:txBody>
+          <a:bodyPr/>
+          <a:lstStyle/>
+          <a:p>
+            <a:r>
+              <a:rPr lang="en-US" dirty="0" err="1"/>
+              <a:t>Sisällysluettelon</a:t>
+            </a:r>
+            <a:r>
+              <a:rPr lang="en-US" dirty="0"/>
+              <a:t> </a:t>
+            </a:r>
+            <a:r>
+              <a:rPr lang="en-US" dirty="0" err="1"/>
+              <a:t>hahmotelma</a:t>
+            </a:r>
+            <a:endParaRPr lang="en-FI" dirty="0"/>
+          </a:p>
+        </p:txBody>
+      </p:sp>
+      <p:sp>
+        <p:nvSpPr>
+          <p:cNvPr id="3" name="Content Placeholder 2">
+            <a:extLst>
+              <a:ext uri="{FF2B5EF4-FFF2-40B4-BE49-F238E27FC236}">
+                <a16:creationId xmlns:a16="http://schemas.microsoft.com/office/drawing/2014/main" id="{4F80240A-965E-40FB-8A64-896ECB112C4F}"/>
+              </a:ext>
+            </a:extLst>
+          </p:cNvPr>
+          <p:cNvSpPr>
+            <a:spLocks noGrp="1"/>
+          </p:cNvSpPr>
+          <p:nvPr>
+            <p:ph idx="1"/>
+          </p:nvPr>
+        </p:nvSpPr>
+        <p:spPr/>
+        <p:txBody>
+          <a:bodyPr/>
+          <a:lstStyle/>
+          <a:p>
+            <a:r>
+              <a:rPr lang="en-US" dirty="0"/>
+              <a:t>Insert here</a:t>
+            </a:r>
+            <a:endParaRPr lang="en-FI" dirty="0"/>
+          </a:p>
+        </p:txBody>
+      </p:sp>
+    </p:spTree>
+    <p:extLst>
+      <p:ext uri="{BB962C8B-B14F-4D97-AF65-F5344CB8AC3E}">
+        <p14:creationId xmlns:p14="http://schemas.microsoft.com/office/powerpoint/2010/main" val="43404655"/>
+      </p:ext>
+    </p:extLst>
+  </p:cSld>
+  <p:clrMapOvr>
+    <a:masterClrMapping/>
+  </p:clrMapOvr>
+</p:sld>
+</file>
+
+<file path=ppt/slides/slide6.xml><?xml version="1.0" encoding="utf-8"?>
+<p:sld xmlns:a="http://schemas.openxmlformats.org/drawingml/2006/main" xmlns:r="http://schemas.openxmlformats.org/officeDocument/2006/relationships" xmlns:p="http://schemas.openxmlformats.org/presentationml/2006/main">
+  <p:cSld>
+    <p:spTree>
+      <p:nvGrpSpPr>
+        <p:cNvPr id="1" name=""/>
+        <p:cNvGrpSpPr/>
+        <p:nvPr/>
+      </p:nvGrpSpPr>
+      <p:grpSpPr>
+        <a:xfrm>
+          <a:off x="0" y="0"/>
+          <a:ext cx="0" cy="0"/>
+          <a:chOff x="0" y="0"/>
+          <a:chExt cx="0" cy="0"/>
+        </a:xfrm>
+      </p:grpSpPr>
+      <p:sp>
+        <p:nvSpPr>
+          <p:cNvPr id="2" name="Title 1">
+            <a:extLst>
+              <a:ext uri="{FF2B5EF4-FFF2-40B4-BE49-F238E27FC236}">
                 <a16:creationId xmlns:a16="http://schemas.microsoft.com/office/drawing/2014/main" id="{0C04B72A-C4CE-4265-8468-3AEEBAEAD26B}"/>
               </a:ext>
             </a:extLst>
@@ -3839,7 +3948,11 @@
           <a:bodyPr/>
           <a:lstStyle/>
           <a:p>
-            <a:endParaRPr lang="en-FI"/>
+            <a:r>
+              <a:rPr lang="en-US" dirty="0" err="1"/>
+              <a:t>Lähteet</a:t>
+            </a:r>
+            <a:endParaRPr lang="en-FI" dirty="0"/>
           </a:p>
         </p:txBody>
       </p:sp>
